--- a/slides/pyspark/introduction/4.4_Data_Abstractions_in_Spark.pptx
+++ b/slides/pyspark/introduction/4.4_Data_Abstractions_in_Spark.pptx
@@ -5,7 +5,7 @@
     <p:sldMasterId id="2147483660" r:id="rId1"/>
   </p:sldMasterIdLst>
   <p:notesMasterIdLst>
-    <p:notesMasterId r:id="rId25"/>
+    <p:notesMasterId r:id="rId26"/>
   </p:notesMasterIdLst>
   <p:sldIdLst>
     <p:sldId id="256" r:id="rId2"/>
@@ -31,6 +31,7 @@
     <p:sldId id="353" r:id="rId22"/>
     <p:sldId id="354" r:id="rId23"/>
     <p:sldId id="355" r:id="rId24"/>
+    <p:sldId id="393" r:id="rId25"/>
   </p:sldIdLst>
   <p:sldSz cx="9144000" cy="6858000" type="screen4x3"/>
   <p:notesSz cx="6858000" cy="9144000"/>
@@ -230,7 +231,7 @@
           <a:p>
             <a:fld id="{8D3596F8-CA3A-B94E-955E-597798D905E5}" type="datetimeFigureOut">
               <a:rPr kumimoji="1" lang="zh-CN" altLang="en-US" smtClean="0"/>
-              <a:t>2022/6/9</a:t>
+              <a:t>2023/2/21</a:t>
             </a:fld>
             <a:endParaRPr kumimoji="1" lang="zh-CN" altLang="en-US"/>
           </a:p>
@@ -8061,7 +8062,7 @@
           <a:p>
             <a:r>
               <a:rPr lang="en-US" altLang="zh-CN" sz="2400" dirty="0"/>
-              <a:t>Mahmoud (Max) Parsian</a:t>
+              <a:t>Mahmoud  Parsian</a:t>
             </a:r>
           </a:p>
           <a:p>
@@ -8244,11 +8245,7 @@
             <a:pPr algn="l"/>
             <a:r>
               <a:rPr kumimoji="1" lang="en-US" altLang="zh-CN" dirty="0"/>
-              <a:t>Spark Data Abstraction: </a:t>
-            </a:r>
-            <a:r>
-              <a:rPr kumimoji="1" lang="en-US" altLang="zh-CN" dirty="0" err="1"/>
-              <a:t>DataFrame</a:t>
+              <a:t>Spark Data Abstraction: DataFrame</a:t>
             </a:r>
             <a:endParaRPr kumimoji="1" lang="zh-CN" altLang="en-US" dirty="0"/>
           </a:p>
@@ -8338,15 +8335,7 @@
             <a:pPr algn="l"/>
             <a:r>
               <a:rPr kumimoji="1" lang="en-US" altLang="zh-CN" b="1" dirty="0"/>
-              <a:t>Spark </a:t>
-            </a:r>
-            <a:r>
-              <a:rPr kumimoji="1" lang="en-US" altLang="zh-CN" b="1" dirty="0" err="1"/>
-              <a:t>DataFrame</a:t>
-            </a:r>
-            <a:r>
-              <a:rPr kumimoji="1" lang="en-US" altLang="zh-CN" b="1" dirty="0"/>
-              <a:t> features</a:t>
+              <a:t>Spark DataFrame features</a:t>
             </a:r>
             <a:endParaRPr kumimoji="1" lang="zh-CN" altLang="en-US" dirty="0"/>
           </a:p>
@@ -8376,15 +8365,7 @@
             </a:r>
             <a:r>
               <a:rPr lang="en-US" dirty="0"/>
-              <a:t> </a:t>
-            </a:r>
-            <a:r>
-              <a:rPr lang="en-US" dirty="0" err="1"/>
-              <a:t>DataFrame</a:t>
-            </a:r>
-            <a:r>
-              <a:rPr lang="en-US" dirty="0"/>
-              <a:t> uses </a:t>
+              <a:t> DataFrame uses </a:t>
             </a:r>
             <a:r>
               <a:rPr lang="en-US" b="1" dirty="0"/>
@@ -8403,15 +8384,7 @@
             </a:r>
             <a:r>
               <a:rPr lang="en-US" dirty="0"/>
-              <a:t> The </a:t>
-            </a:r>
-            <a:r>
-              <a:rPr lang="en-US" dirty="0" err="1"/>
-              <a:t>DataFrame</a:t>
-            </a:r>
-            <a:r>
-              <a:rPr lang="en-US" dirty="0"/>
-              <a:t> is fully compatible with Hive query language. We can access all hive data, queries, UDFs, </a:t>
+              <a:t> The DataFrame is fully compatible with Hive query language. We can access all hive data, queries, UDFs, </a:t>
             </a:r>
             <a:r>
               <a:rPr lang="en-US" dirty="0" err="1"/>
@@ -8438,15 +8411,7 @@
             </a:r>
             <a:r>
               <a:rPr lang="en-US" dirty="0"/>
-              <a:t> </a:t>
-            </a:r>
-            <a:r>
-              <a:rPr lang="en-US" dirty="0" err="1"/>
-              <a:t>DataFrame</a:t>
-            </a:r>
-            <a:r>
-              <a:rPr lang="en-US" dirty="0"/>
-              <a:t> APIs supports manipulation of all kind of data from structured data files to semi-structured data files and highly structured parquet files.</a:t>
+              <a:t> DataFrame APIs supports manipulation of all kind of data from structured data files to semi-structured data files and highly structured parquet files.</a:t>
             </a:r>
           </a:p>
           <a:p>
@@ -8457,15 +8422,7 @@
             </a:r>
             <a:r>
               <a:rPr lang="en-US" dirty="0"/>
-              <a:t> </a:t>
-            </a:r>
-            <a:r>
-              <a:rPr lang="en-US" dirty="0" err="1"/>
-              <a:t>DataFrame</a:t>
-            </a:r>
-            <a:r>
-              <a:rPr lang="en-US" dirty="0"/>
-              <a:t> APIs are available in </a:t>
+              <a:t> DataFrame APIs are available in </a:t>
             </a:r>
             <a:r>
               <a:rPr lang="en-US" b="1" dirty="0"/>
@@ -8539,20 +8496,20 @@
             <p:ph type="title"/>
           </p:nvPr>
         </p:nvSpPr>
-        <p:spPr/>
+        <p:spPr>
+          <a:xfrm>
+            <a:off x="628650" y="365126"/>
+            <a:ext cx="7886700" cy="621463"/>
+          </a:xfrm>
+        </p:spPr>
         <p:txBody>
           <a:bodyPr/>
           <a:lstStyle/>
           <a:p>
             <a:r>
               <a:rPr lang="en-US" dirty="0"/>
-              <a:t>RDD vs. </a:t>
-            </a:r>
-            <a:r>
-              <a:rPr lang="en-US" dirty="0" err="1"/>
-              <a:t>DataFrame</a:t>
-            </a:r>
-            <a:endParaRPr lang="en-US" dirty="0"/>
+              <a:t>RDD vs. DataFrame</a:t>
+            </a:r>
           </a:p>
         </p:txBody>
       </p:sp>
@@ -8640,15 +8597,7 @@
             <a:pPr algn="l"/>
             <a:r>
               <a:rPr lang="en-US" altLang="zh-CN" b="1" dirty="0"/>
-              <a:t>RDD &amp; </a:t>
-            </a:r>
-            <a:r>
-              <a:rPr lang="en-US" altLang="zh-CN" b="1" dirty="0" err="1"/>
-              <a:t>DataFrame</a:t>
-            </a:r>
-            <a:r>
-              <a:rPr lang="en-US" altLang="zh-CN" b="1" dirty="0"/>
-              <a:t> Creation</a:t>
+              <a:t>RDD &amp; DataFrame Creation</a:t>
             </a:r>
             <a:br>
               <a:rPr lang="en-US" altLang="zh-CN" dirty="0"/>
@@ -9694,12 +9643,8 @@
           <a:p>
             <a:pPr algn="l"/>
             <a:r>
-              <a:rPr lang="en-US" altLang="zh-CN" sz="2800" b="1" dirty="0" err="1"/>
-              <a:t>DataFrame</a:t>
-            </a:r>
-            <a:r>
               <a:rPr lang="en-US" altLang="zh-CN" sz="2800" b="1" dirty="0"/>
-              <a:t> Creation: from collection</a:t>
+              <a:t>DataFrame Creation: from collection</a:t>
             </a:r>
             <a:endParaRPr kumimoji="1" lang="zh-CN" altLang="en-US" sz="2800" dirty="0"/>
           </a:p>
@@ -10152,12 +10097,8 @@
           <a:p>
             <a:pPr algn="l"/>
             <a:r>
-              <a:rPr lang="en-US" altLang="zh-CN" sz="2800" b="1" dirty="0" err="1"/>
-              <a:t>DataFrame</a:t>
-            </a:r>
-            <a:r>
               <a:rPr lang="en-US" altLang="zh-CN" sz="2800" b="1" dirty="0"/>
-              <a:t> Creation: from File</a:t>
+              <a:t>DataFrame Creation: from File</a:t>
             </a:r>
             <a:endParaRPr kumimoji="1" lang="zh-CN" altLang="en-US" sz="2800" dirty="0"/>
           </a:p>
@@ -10508,12 +10449,8 @@
           <a:p>
             <a:pPr algn="l"/>
             <a:r>
-              <a:rPr lang="en-US" altLang="zh-CN" sz="2800" b="1" dirty="0" err="1"/>
-              <a:t>DataFrame</a:t>
-            </a:r>
-            <a:r>
               <a:rPr lang="en-US" altLang="zh-CN" sz="2800" b="1" dirty="0"/>
-              <a:t> Creation: from File</a:t>
+              <a:t>DataFrame Creation: from File</a:t>
             </a:r>
             <a:endParaRPr kumimoji="1" lang="zh-CN" altLang="en-US" sz="2800" dirty="0"/>
           </a:p>
@@ -10943,7 +10880,7 @@
         </p:spPr>
         <p:txBody>
           <a:bodyPr>
-            <a:normAutofit/>
+            <a:normAutofit fontScale="92500"/>
           </a:bodyPr>
           <a:lstStyle/>
           <a:p>
@@ -10952,7 +10889,15 @@
             </a:pPr>
             <a:r>
               <a:rPr lang="en-US" sz="2800" dirty="0"/>
-              <a:t>The data abstraction in Spark represents                           a logical data structure to the underlying data distributed on different nodes of the cluster. </a:t>
+              <a:t>The data abstraction in </a:t>
+            </a:r>
+            <a:r>
+              <a:rPr lang="en-US" sz="2800"/>
+              <a:t>Spark represents a </a:t>
+            </a:r>
+            <a:r>
+              <a:rPr lang="en-US" sz="2800" dirty="0"/>
+              <a:t>logical data structure to the underlying data distributed on different nodes of the cluster. </a:t>
             </a:r>
           </a:p>
           <a:p>
@@ -10964,40 +10909,116 @@
           <a:p>
             <a:pPr fontAlgn="base"/>
             <a:r>
-              <a:rPr lang="en-US" sz="3200" dirty="0"/>
+              <a:rPr lang="en-US" sz="3200" dirty="0">
+                <a:highlight>
+                  <a:srgbClr val="00FF00"/>
+                </a:highlight>
+              </a:rPr>
               <a:t>Data </a:t>
             </a:r>
             <a:r>
               <a:rPr lang="en-US" sz="3200" dirty="0">
+                <a:highlight>
+                  <a:srgbClr val="00FF00"/>
+                </a:highlight>
                 <a:sym typeface="Wingdings" pitchFamily="2" charset="2"/>
               </a:rPr>
               <a:t> Spark  </a:t>
             </a:r>
             <a:r>
               <a:rPr lang="en-US" sz="3600" b="1" dirty="0">
+                <a:highlight>
+                  <a:srgbClr val="00FF00"/>
+                </a:highlight>
                 <a:sym typeface="Wingdings" pitchFamily="2" charset="2"/>
               </a:rPr>
               <a:t>RDD</a:t>
             </a:r>
+            <a:endParaRPr lang="en-US" sz="3200" b="1" dirty="0">
+              <a:highlight>
+                <a:srgbClr val="00FF00"/>
+              </a:highlight>
+              <a:sym typeface="Wingdings" pitchFamily="2" charset="2"/>
+            </a:endParaRPr>
+          </a:p>
+          <a:p>
+            <a:pPr fontAlgn="base"/>
+            <a:r>
+              <a:rPr lang="en-US" sz="3200" dirty="0">
+                <a:highlight>
+                  <a:srgbClr val="00FF00"/>
+                </a:highlight>
+                <a:sym typeface="Wingdings" pitchFamily="2" charset="2"/>
+              </a:rPr>
+              <a:t>Data  Spark  </a:t>
+            </a:r>
+            <a:r>
+              <a:rPr lang="en-US" sz="3200" b="1" dirty="0">
+                <a:highlight>
+                  <a:srgbClr val="00FF00"/>
+                </a:highlight>
+                <a:sym typeface="Wingdings" pitchFamily="2" charset="2"/>
+              </a:rPr>
+              <a:t>DataFrame</a:t>
+            </a:r>
+          </a:p>
+          <a:p>
+            <a:pPr fontAlgn="base"/>
             <a:endParaRPr lang="en-US" sz="3200" b="1" dirty="0">
               <a:sym typeface="Wingdings" pitchFamily="2" charset="2"/>
             </a:endParaRPr>
           </a:p>
           <a:p>
-            <a:pPr fontAlgn="base"/>
-            <a:r>
-              <a:rPr lang="en-US" sz="3200" dirty="0">
+            <a:pPr marL="0" indent="0" fontAlgn="base">
+              <a:buNone/>
+            </a:pPr>
+            <a:r>
+              <a:rPr lang="en-US" sz="3200" b="1" dirty="0">
+                <a:highlight>
+                  <a:srgbClr val="00FFFF"/>
+                </a:highlight>
                 <a:sym typeface="Wingdings" pitchFamily="2" charset="2"/>
               </a:rPr>
-              <a:t>Data  Spark  </a:t>
+              <a:t>Once RDD/DataFrame is created:</a:t>
+            </a:r>
+            <a:r>
+              <a:rPr lang="en-US" sz="3200" b="1" dirty="0">
+                <a:sym typeface="Wingdings" pitchFamily="2" charset="2"/>
+              </a:rPr>
+              <a:t> </a:t>
+            </a:r>
+            <a:r>
+              <a:rPr lang="en-US" sz="3200" b="1" dirty="0">
+                <a:solidFill>
+                  <a:schemeClr val="tx1"/>
+                </a:solidFill>
+                <a:sym typeface="Wingdings" pitchFamily="2" charset="2"/>
+              </a:rPr>
+              <a:t>then we can analyze data by applying </a:t>
             </a:r>
             <a:r>
               <a:rPr lang="en-US" sz="3200" b="1" dirty="0" err="1">
+                <a:solidFill>
+                  <a:schemeClr val="tx1"/>
+                </a:solidFill>
                 <a:sym typeface="Wingdings" pitchFamily="2" charset="2"/>
               </a:rPr>
-              <a:t>DataFrame</a:t>
-            </a:r>
-            <a:endParaRPr lang="en-US" sz="3200" b="1" dirty="0"/>
+              <a:t>PySpark’s</a:t>
+            </a:r>
+            <a:r>
+              <a:rPr lang="en-US" sz="3200" b="1" dirty="0">
+                <a:solidFill>
+                  <a:schemeClr val="tx1"/>
+                </a:solidFill>
+                <a:sym typeface="Wingdings" pitchFamily="2" charset="2"/>
+              </a:rPr>
+              <a:t> transformations (mappers, filters, …) on RDD/DataFrame.</a:t>
+            </a:r>
+            <a:endParaRPr lang="en-US" sz="3200" b="1" dirty="0">
+              <a:solidFill>
+                <a:schemeClr val="tx1"/>
+              </a:solidFill>
+            </a:endParaRPr>
           </a:p>
         </p:txBody>
       </p:sp>
@@ -11055,12 +11076,8 @@
           <a:p>
             <a:pPr algn="l"/>
             <a:r>
-              <a:rPr lang="en-US" altLang="zh-CN" sz="2800" b="1" dirty="0" err="1"/>
-              <a:t>DataFrame</a:t>
-            </a:r>
-            <a:r>
               <a:rPr lang="en-US" altLang="zh-CN" sz="2800" b="1" dirty="0"/>
-              <a:t> filter</a:t>
+              <a:t>DataFrame filter</a:t>
             </a:r>
             <a:endParaRPr kumimoji="1" lang="zh-CN" altLang="en-US" sz="2800" dirty="0"/>
           </a:p>
@@ -11387,12 +11404,8 @@
           <a:p>
             <a:pPr algn="l"/>
             <a:r>
-              <a:rPr lang="en-US" altLang="zh-CN" sz="2800" b="1" dirty="0" err="1"/>
-              <a:t>DataFrame</a:t>
-            </a:r>
-            <a:r>
               <a:rPr lang="en-US" altLang="zh-CN" sz="2800" b="1" dirty="0"/>
-              <a:t> add a new column</a:t>
+              <a:t>DataFrame add a new column</a:t>
             </a:r>
             <a:endParaRPr kumimoji="1" lang="zh-CN" altLang="en-US" sz="2800" dirty="0"/>
           </a:p>
@@ -11760,15 +11773,7 @@
             <a:pPr algn="l"/>
             <a:r>
               <a:rPr lang="en-US" altLang="zh-CN" sz="2800" b="1" dirty="0"/>
-              <a:t>Convert </a:t>
-            </a:r>
-            <a:r>
-              <a:rPr lang="en-US" altLang="zh-CN" sz="2800" b="1" dirty="0" err="1"/>
-              <a:t>DataFrame</a:t>
-            </a:r>
-            <a:r>
-              <a:rPr lang="en-US" altLang="zh-CN" sz="2800" b="1" dirty="0"/>
-              <a:t> to RDD</a:t>
+              <a:t>Convert DataFrame to RDD</a:t>
             </a:r>
             <a:endParaRPr kumimoji="1" lang="zh-CN" altLang="en-US" sz="2800" dirty="0"/>
           </a:p>
@@ -12097,13 +12102,8 @@
             </a:r>
             <a:r>
               <a:rPr lang="en-US" sz="1400" dirty="0"/>
-              <a:t> : A row in </a:t>
-            </a:r>
-            <a:r>
-              <a:rPr lang="en-US" sz="1400" dirty="0" err="1"/>
-              <a:t>DataFrame</a:t>
-            </a:r>
-            <a:endParaRPr lang="en-US" sz="1400" dirty="0"/>
+              <a:t> : A row in DataFrame</a:t>
+            </a:r>
           </a:p>
           <a:p>
             <a:pPr marL="0" indent="0">
@@ -12171,11 +12171,7 @@
             <a:pPr algn="l"/>
             <a:r>
               <a:rPr lang="en-US" altLang="zh-CN" sz="2800" b="1" dirty="0"/>
-              <a:t>Convert RDD to </a:t>
-            </a:r>
-            <a:r>
-              <a:rPr lang="en-US" altLang="zh-CN" sz="2800" b="1" dirty="0" err="1"/>
-              <a:t>DataFrame</a:t>
+              <a:t>Convert RDD to DataFrame</a:t>
             </a:r>
             <a:endParaRPr kumimoji="1" lang="zh-CN" altLang="en-US" sz="2800" dirty="0"/>
           </a:p>
@@ -12560,6 +12556,101 @@
     <p:extLst>
       <p:ext uri="{BB962C8B-B14F-4D97-AF65-F5344CB8AC3E}">
         <p14:creationId xmlns:p14="http://schemas.microsoft.com/office/powerpoint/2010/main" val="633357882"/>
+      </p:ext>
+    </p:extLst>
+  </p:cSld>
+  <p:clrMapOvr>
+    <a:masterClrMapping/>
+  </p:clrMapOvr>
+</p:sld>
+</file>
+
+<file path=ppt/slides/slide24.xml><?xml version="1.0" encoding="utf-8"?>
+<p:sld xmlns:a="http://schemas.openxmlformats.org/drawingml/2006/main" xmlns:r="http://schemas.openxmlformats.org/officeDocument/2006/relationships" xmlns:p="http://schemas.openxmlformats.org/presentationml/2006/main">
+  <p:cSld>
+    <p:spTree>
+      <p:nvGrpSpPr>
+        <p:cNvPr id="1" name=""/>
+        <p:cNvGrpSpPr/>
+        <p:nvPr/>
+      </p:nvGrpSpPr>
+      <p:grpSpPr>
+        <a:xfrm>
+          <a:off x="0" y="0"/>
+          <a:ext cx="0" cy="0"/>
+          <a:chOff x="0" y="0"/>
+          <a:chExt cx="0" cy="0"/>
+        </a:xfrm>
+      </p:grpSpPr>
+      <p:sp>
+        <p:nvSpPr>
+          <p:cNvPr id="2" name="标题 1"/>
+          <p:cNvSpPr>
+            <a:spLocks noGrp="1"/>
+          </p:cNvSpPr>
+          <p:nvPr>
+            <p:ph type="title"/>
+          </p:nvPr>
+        </p:nvSpPr>
+        <p:spPr>
+          <a:xfrm>
+            <a:off x="1070516" y="365126"/>
+            <a:ext cx="7444833" cy="1003801"/>
+          </a:xfrm>
+        </p:spPr>
+        <p:txBody>
+          <a:bodyPr/>
+          <a:lstStyle/>
+          <a:p>
+            <a:pPr algn="l"/>
+            <a:r>
+              <a:rPr kumimoji="1" lang="en-US" altLang="zh-CN" dirty="0"/>
+              <a:t>Spark Data Abstractions: </a:t>
+            </a:r>
+            <a:br>
+              <a:rPr kumimoji="1" lang="en-US" altLang="zh-CN" dirty="0"/>
+            </a:br>
+            <a:r>
+              <a:rPr kumimoji="1" lang="en-US" altLang="zh-CN" dirty="0"/>
+              <a:t>RDD &amp; DataFrame</a:t>
+            </a:r>
+            <a:endParaRPr kumimoji="1" lang="zh-CN" altLang="en-US" dirty="0"/>
+          </a:p>
+        </p:txBody>
+      </p:sp>
+      <p:pic>
+        <p:nvPicPr>
+          <p:cNvPr id="5" name="Content Placeholder 4" descr="Diagram&#10;&#10;Description automatically generated">
+            <a:extLst>
+              <a:ext uri="{FF2B5EF4-FFF2-40B4-BE49-F238E27FC236}">
+                <a16:creationId xmlns:a16="http://schemas.microsoft.com/office/drawing/2014/main" id="{EDAE2480-5BA6-A74D-914B-303D5A8E8F28}"/>
+              </a:ext>
+            </a:extLst>
+          </p:cNvPr>
+          <p:cNvPicPr>
+            <a:picLocks noGrp="1" noChangeAspect="1"/>
+          </p:cNvPicPr>
+          <p:nvPr>
+            <p:ph idx="1"/>
+          </p:nvPr>
+        </p:nvPicPr>
+        <p:blipFill>
+          <a:blip r:embed="rId2"/>
+          <a:stretch>
+            <a:fillRect/>
+          </a:stretch>
+        </p:blipFill>
+        <p:spPr>
+          <a:xfrm>
+            <a:off x="1070517" y="1550020"/>
+            <a:ext cx="6802244" cy="4583151"/>
+          </a:xfrm>
+        </p:spPr>
+      </p:pic>
+    </p:spTree>
+    <p:extLst>
+      <p:ext uri="{BB962C8B-B14F-4D97-AF65-F5344CB8AC3E}">
+        <p14:creationId xmlns:p14="http://schemas.microsoft.com/office/powerpoint/2010/main" val="3802822337"/>
       </p:ext>
     </p:extLst>
   </p:cSld>
@@ -12794,7 +12885,7 @@
             <a:pPr lvl="2"/>
             <a:r>
               <a:rPr lang="en-US" altLang="zh-CN" sz="3800" dirty="0"/>
-              <a:t> a table of named columns</a:t>
+              <a:t> a table of rows with named columns</a:t>
             </a:r>
           </a:p>
           <a:p>
@@ -12982,14 +13073,30 @@
             <a:pPr fontAlgn="base"/>
             <a:r>
               <a:rPr lang="en-US" sz="2400" dirty="0"/>
-              <a:t>RDD is the core data abstraction API </a:t>
+              <a:t>RDD is the </a:t>
+            </a:r>
+            <a:r>
+              <a:rPr lang="en-US" sz="2400" b="1" u="sng" dirty="0"/>
+              <a:t>core data abstraction </a:t>
+            </a:r>
+            <a:r>
+              <a:rPr lang="en-US" sz="2400" dirty="0"/>
+              <a:t>API </a:t>
             </a:r>
           </a:p>
           <a:p>
             <a:pPr fontAlgn="base"/>
             <a:r>
               <a:rPr lang="en-US" sz="2400" dirty="0"/>
-              <a:t>It is a lower-level API for manipulating distributed collection of data. </a:t>
+              <a:t>It is a </a:t>
+            </a:r>
+            <a:r>
+              <a:rPr lang="en-US" sz="2400" b="1" u="sng" dirty="0"/>
+              <a:t>lower-level</a:t>
+            </a:r>
+            <a:r>
+              <a:rPr lang="en-US" sz="2400" dirty="0"/>
+              <a:t> API for manipulating distributed collection of data. </a:t>
             </a:r>
           </a:p>
           <a:p>
@@ -13018,7 +13125,26 @@
             <a:pPr fontAlgn="base"/>
             <a:r>
               <a:rPr lang="en-US" sz="2400" dirty="0"/>
-              <a:t>RDD enables in-memory computation on large clusters to speed up big data processing in a fault tolerant manner.</a:t>
+              <a:t>RDD enables </a:t>
+            </a:r>
+            <a:r>
+              <a:rPr lang="en-US" sz="2400" b="1" u="sng" dirty="0"/>
+              <a:t>in-memory</a:t>
+            </a:r>
+            <a:r>
+              <a:rPr lang="en-US" sz="2400" dirty="0"/>
+              <a:t> computation on large clusters to speed up big data processing in a fault tolerant manner.</a:t>
+            </a:r>
+          </a:p>
+          <a:p>
+            <a:pPr fontAlgn="base"/>
+            <a:r>
+              <a:rPr lang="en-US" sz="2400" b="1" dirty="0"/>
+              <a:t>Partitioned</a:t>
+            </a:r>
+            <a:r>
+              <a:rPr lang="en-US" sz="2400" dirty="0"/>
+              <a:t>: enables parallelism</a:t>
             </a:r>
           </a:p>
         </p:txBody>
@@ -13308,11 +13434,7 @@
             <a:pPr algn="l"/>
             <a:r>
               <a:rPr lang="en-US" b="1" dirty="0"/>
-              <a:t>Spark Data Abstraction: </a:t>
-            </a:r>
-            <a:r>
-              <a:rPr lang="en-US" b="1" dirty="0" err="1"/>
-              <a:t>DataFrame</a:t>
+              <a:t>Spark Data Abstraction: DataFrame</a:t>
             </a:r>
             <a:endParaRPr kumimoji="1" lang="zh-CN" altLang="en-US" dirty="0"/>
           </a:p>
@@ -13336,78 +13458,70 @@
         </p:spPr>
         <p:txBody>
           <a:bodyPr>
-            <a:normAutofit/>
+            <a:normAutofit lnSpcReduction="10000"/>
           </a:bodyPr>
           <a:lstStyle/>
           <a:p>
             <a:pPr fontAlgn="base"/>
             <a:r>
               <a:rPr lang="en-US" sz="2400" dirty="0"/>
-              <a:t>The </a:t>
-            </a:r>
-            <a:r>
-              <a:rPr lang="en-US" sz="2400" dirty="0" err="1"/>
-              <a:t>DataFrame</a:t>
-            </a:r>
+              <a:t>The DataFrame APIs organizes the data into rows with named columns like a table in relational database. </a:t>
+            </a:r>
+          </a:p>
+          <a:p>
+            <a:pPr fontAlgn="base"/>
             <a:r>
               <a:rPr lang="en-US" sz="2400" dirty="0"/>
-              <a:t> APIs organizes the data into named columns like a table in relational database. </a:t>
+              <a:t>It enables programmers to define schema on a distributed collection of data. Each row in a DataFrame is of object type row. </a:t>
             </a:r>
           </a:p>
           <a:p>
             <a:pPr fontAlgn="base"/>
             <a:r>
               <a:rPr lang="en-US" sz="2400" dirty="0"/>
-              <a:t>It enables programmers to define schema on a distributed collection of data. Each row in a </a:t>
-            </a:r>
-            <a:r>
-              <a:rPr lang="en-US" sz="2400" dirty="0" err="1"/>
-              <a:t>DataFrame</a:t>
-            </a:r>
+              <a:t>Like an SQL table, each column must have same number of rows in a DataFrame. </a:t>
+            </a:r>
+          </a:p>
+          <a:p>
+            <a:pPr fontAlgn="base"/>
             <a:r>
               <a:rPr lang="en-US" sz="2400" dirty="0"/>
-              <a:t> is of object type row. </a:t>
+              <a:t>In short, DataFrame is lazily evaluated plan which specifies the operations needs to be performed on the distributed collection of the data.</a:t>
             </a:r>
           </a:p>
           <a:p>
             <a:pPr fontAlgn="base"/>
             <a:r>
               <a:rPr lang="en-US" sz="2400" dirty="0"/>
-              <a:t>Like an SQL table, each column must have same number of rows in a </a:t>
-            </a:r>
-            <a:r>
-              <a:rPr lang="en-US" sz="2400" dirty="0" err="1"/>
-              <a:t>DataFrame</a:t>
+              <a:t>DataFrame is also an </a:t>
+            </a:r>
+            <a:r>
+              <a:rPr lang="en-US" sz="2400" b="1" u="sng" dirty="0"/>
+              <a:t>immutable</a:t>
             </a:r>
             <a:r>
               <a:rPr lang="en-US" sz="2400" dirty="0"/>
-              <a:t>. </a:t>
+              <a:t> collection.</a:t>
             </a:r>
           </a:p>
           <a:p>
             <a:pPr fontAlgn="base"/>
             <a:r>
+              <a:rPr lang="en-US" sz="2400" b="1" u="sng" dirty="0"/>
+              <a:t>Partitioned</a:t>
+            </a:r>
+            <a:r>
               <a:rPr lang="en-US" sz="2400" dirty="0"/>
-              <a:t>In short, </a:t>
-            </a:r>
-            <a:r>
-              <a:rPr lang="en-US" sz="2400" dirty="0" err="1"/>
-              <a:t>DataFrame</a:t>
-            </a:r>
+              <a:t>: enables parallelism</a:t>
+            </a:r>
+          </a:p>
+          <a:p>
+            <a:pPr marL="0" indent="0" fontAlgn="base">
+              <a:buNone/>
+            </a:pPr>
             <a:r>
               <a:rPr lang="en-US" sz="2400" dirty="0"/>
-              <a:t> is lazily evaluated plan which specifies the operations needs to be performed on the distributed collection of the data.</a:t>
-            </a:r>
-          </a:p>
-          <a:p>
-            <a:pPr fontAlgn="base"/>
-            <a:r>
-              <a:rPr lang="en-US" sz="2400" dirty="0" err="1"/>
-              <a:t>DataFrame</a:t>
-            </a:r>
-            <a:r>
-              <a:rPr lang="en-US" sz="2400" dirty="0"/>
-              <a:t> is also an immutable collection. </a:t>
+              <a:t> </a:t>
             </a:r>
           </a:p>
         </p:txBody>
